--- a/3D/Blender-Notes.pptx
+++ b/3D/Blender-Notes.pptx
@@ -5,16 +5,20 @@
     <p:sldMasterId id="2147483648" r:id="rId1"/>
   </p:sldMasterIdLst>
   <p:notesMasterIdLst>
-    <p:notesMasterId r:id="rId10"/>
+    <p:notesMasterId r:id="rId14"/>
   </p:notesMasterIdLst>
   <p:sldIdLst>
     <p:sldId id="256" r:id="rId3"/>
-    <p:sldId id="257" r:id="rId4"/>
-    <p:sldId id="258" r:id="rId5"/>
-    <p:sldId id="259" r:id="rId6"/>
-    <p:sldId id="260" r:id="rId7"/>
-    <p:sldId id="261" r:id="rId8"/>
-    <p:sldId id="262" r:id="rId9"/>
+    <p:sldId id="264" r:id="rId4"/>
+    <p:sldId id="257" r:id="rId5"/>
+    <p:sldId id="258" r:id="rId6"/>
+    <p:sldId id="259" r:id="rId7"/>
+    <p:sldId id="260" r:id="rId8"/>
+    <p:sldId id="261" r:id="rId9"/>
+    <p:sldId id="262" r:id="rId10"/>
+    <p:sldId id="263" r:id="rId11"/>
+    <p:sldId id="265" r:id="rId12"/>
+    <p:sldId id="266" r:id="rId13"/>
   </p:sldIdLst>
   <p:sldSz cx="12192000" cy="6858000"/>
   <p:notesSz cx="6858000" cy="9144000"/>
@@ -3444,12 +3448,12 @@
         <p:spPr>
           <a:xfrm>
             <a:off x="1524000" y="5299075"/>
-            <a:ext cx="9144000" cy="648970"/>
+            <a:ext cx="9144000" cy="856615"/>
           </a:xfrm>
         </p:spPr>
         <p:txBody>
           <a:bodyPr>
-            <a:normAutofit fontScale="55000"/>
+            <a:normAutofit fontScale="85000"/>
           </a:bodyPr>
           <a:p>
             <a:pPr algn="ctr"/>
@@ -3463,9 +3467,145 @@
             <a:pPr algn="ctr"/>
             <a:r>
               <a:rPr lang="en-US" altLang="zh-CN" smtClean="0"/>
-              <a:t>Laste updated: 8/26/2018</a:t>
+              <a:t>Laste updated: 11/3/2020</a:t>
             </a:r>
             <a:endParaRPr lang="en-US" altLang="zh-CN" smtClean="0"/>
+          </a:p>
+        </p:txBody>
+      </p:sp>
+    </p:spTree>
+  </p:cSld>
+  <p:clrMapOvr>
+    <a:masterClrMapping/>
+  </p:clrMapOvr>
+</p:sld>
+</file>
+
+<file path=ppt/slides/slide10.xml><?xml version="1.0" encoding="utf-8"?>
+<p:sld xmlns:a="http://schemas.openxmlformats.org/drawingml/2006/main" xmlns:r="http://schemas.openxmlformats.org/officeDocument/2006/relationships" xmlns:p="http://schemas.openxmlformats.org/presentationml/2006/main">
+  <p:cSld>
+    <p:spTree>
+      <p:nvGrpSpPr>
+        <p:cNvPr id="1" name=""/>
+        <p:cNvGrpSpPr/>
+        <p:nvPr/>
+      </p:nvGrpSpPr>
+      <p:grpSpPr/>
+      <p:sp>
+        <p:nvSpPr>
+          <p:cNvPr id="4" name="标题 3"/>
+          <p:cNvSpPr>
+            <a:spLocks noGrp="1"/>
+          </p:cNvSpPr>
+          <p:nvPr>
+            <p:ph type="title"/>
+          </p:nvPr>
+        </p:nvSpPr>
+        <p:spPr/>
+        <p:txBody>
+          <a:bodyPr/>
+          <a:p>
+            <a:r>
+              <a:rPr lang="en-US" altLang="zh-CN"/>
+              <a:t>Python Dev</a:t>
+            </a:r>
+            <a:endParaRPr lang="en-US" altLang="zh-CN"/>
+          </a:p>
+        </p:txBody>
+      </p:sp>
+      <p:sp>
+        <p:nvSpPr>
+          <p:cNvPr id="5" name="文本占位符 4"/>
+          <p:cNvSpPr>
+            <a:spLocks noGrp="1"/>
+          </p:cNvSpPr>
+          <p:nvPr>
+            <p:ph type="body" idx="1"/>
+          </p:nvPr>
+        </p:nvSpPr>
+        <p:spPr/>
+        <p:txBody>
+          <a:bodyPr/>
+          <a:p>
+            <a:endParaRPr lang="zh-CN" altLang="en-US"/>
+          </a:p>
+        </p:txBody>
+      </p:sp>
+    </p:spTree>
+  </p:cSld>
+  <p:clrMapOvr>
+    <a:masterClrMapping/>
+  </p:clrMapOvr>
+</p:sld>
+</file>
+
+<file path=ppt/slides/slide11.xml><?xml version="1.0" encoding="utf-8"?>
+<p:sld xmlns:a="http://schemas.openxmlformats.org/drawingml/2006/main" xmlns:r="http://schemas.openxmlformats.org/officeDocument/2006/relationships" xmlns:p="http://schemas.openxmlformats.org/presentationml/2006/main">
+  <p:cSld>
+    <p:spTree>
+      <p:nvGrpSpPr>
+        <p:cNvPr id="1" name=""/>
+        <p:cNvGrpSpPr/>
+        <p:nvPr/>
+      </p:nvGrpSpPr>
+      <p:grpSpPr/>
+      <p:sp>
+        <p:nvSpPr>
+          <p:cNvPr id="4" name="标题 3"/>
+          <p:cNvSpPr>
+            <a:spLocks noGrp="1"/>
+          </p:cNvSpPr>
+          <p:nvPr>
+            <p:ph type="title"/>
+          </p:nvPr>
+        </p:nvSpPr>
+        <p:spPr/>
+        <p:txBody>
+          <a:bodyPr/>
+          <a:p>
+            <a:r>
+              <a:rPr lang="en-US" altLang="zh-CN"/>
+              <a:t>Introduction</a:t>
+            </a:r>
+            <a:endParaRPr lang="en-US" altLang="zh-CN"/>
+          </a:p>
+        </p:txBody>
+      </p:sp>
+      <p:sp>
+        <p:nvSpPr>
+          <p:cNvPr id="5" name="内容占位符 4"/>
+          <p:cNvSpPr>
+            <a:spLocks noGrp="1"/>
+          </p:cNvSpPr>
+          <p:nvPr>
+            <p:ph idx="1"/>
+          </p:nvPr>
+        </p:nvSpPr>
+        <p:spPr/>
+        <p:txBody>
+          <a:bodyPr/>
+          <a:p>
+            <a:r>
+              <a:rPr lang="en-US" altLang="zh-CN"/>
+              <a:t>Reference</a:t>
+            </a:r>
+            <a:endParaRPr lang="en-US" altLang="zh-CN"/>
+          </a:p>
+          <a:p>
+            <a:pPr lvl="1"/>
+            <a:r>
+              <a:rPr lang="en-US" altLang="zh-CN"/>
+              <a:t>https://docs.blender.org/api/current/index.html</a:t>
+            </a:r>
+            <a:endParaRPr lang="en-US" altLang="zh-CN"/>
+          </a:p>
+          <a:p>
+            <a:pPr lvl="1"/>
+            <a:r>
+              <a:rPr lang="en-US" altLang="zh-CN"/>
+              <a:t>https://github.com/HusseinBakri/BlenderPythonDecimator</a:t>
+            </a:r>
+            <a:endParaRPr lang="en-US" altLang="zh-CN"/>
           </a:p>
         </p:txBody>
       </p:sp>
@@ -3478,6 +3618,64 @@
 </file>
 
 <file path=ppt/slides/slide2.xml><?xml version="1.0" encoding="utf-8"?>
+<p:sld xmlns:a="http://schemas.openxmlformats.org/drawingml/2006/main" xmlns:r="http://schemas.openxmlformats.org/officeDocument/2006/relationships" xmlns:p="http://schemas.openxmlformats.org/presentationml/2006/main">
+  <p:cSld>
+    <p:spTree>
+      <p:nvGrpSpPr>
+        <p:cNvPr id="1" name=""/>
+        <p:cNvGrpSpPr/>
+        <p:nvPr/>
+      </p:nvGrpSpPr>
+      <p:grpSpPr/>
+      <p:sp>
+        <p:nvSpPr>
+          <p:cNvPr id="4" name="标题 3"/>
+          <p:cNvSpPr>
+            <a:spLocks noGrp="1"/>
+          </p:cNvSpPr>
+          <p:nvPr>
+            <p:ph type="title"/>
+          </p:nvPr>
+        </p:nvSpPr>
+        <p:spPr/>
+        <p:txBody>
+          <a:bodyPr/>
+          <a:p>
+            <a:r>
+              <a:rPr lang="en-US" altLang="zh-CN"/>
+              <a:t>Usage</a:t>
+            </a:r>
+            <a:endParaRPr lang="en-US" altLang="zh-CN"/>
+          </a:p>
+        </p:txBody>
+      </p:sp>
+      <p:sp>
+        <p:nvSpPr>
+          <p:cNvPr id="5" name="文本占位符 4"/>
+          <p:cNvSpPr>
+            <a:spLocks noGrp="1"/>
+          </p:cNvSpPr>
+          <p:nvPr>
+            <p:ph type="body" idx="1"/>
+          </p:nvPr>
+        </p:nvSpPr>
+        <p:spPr/>
+        <p:txBody>
+          <a:bodyPr/>
+          <a:p>
+            <a:endParaRPr lang="zh-CN" altLang="en-US"/>
+          </a:p>
+        </p:txBody>
+      </p:sp>
+    </p:spTree>
+  </p:cSld>
+  <p:clrMapOvr>
+    <a:masterClrMapping/>
+  </p:clrMapOvr>
+</p:sld>
+</file>
+
+<file path=ppt/slides/slide3.xml><?xml version="1.0" encoding="utf-8"?>
 <p:sld xmlns:a="http://schemas.openxmlformats.org/drawingml/2006/main" xmlns:r="http://schemas.openxmlformats.org/officeDocument/2006/relationships" xmlns:p="http://schemas.openxmlformats.org/presentationml/2006/main">
   <p:cSld>
     <p:spTree>
@@ -3926,7 +4124,7 @@
 </p:sld>
 </file>
 
-<file path=ppt/slides/slide3.xml><?xml version="1.0" encoding="utf-8"?>
+<file path=ppt/slides/slide4.xml><?xml version="1.0" encoding="utf-8"?>
 <p:sld xmlns:a="http://schemas.openxmlformats.org/drawingml/2006/main" xmlns:r="http://schemas.openxmlformats.org/officeDocument/2006/relationships" xmlns:p="http://schemas.openxmlformats.org/presentationml/2006/main">
   <p:cSld>
     <p:spTree>
@@ -4517,183 +4715,6 @@
 </p:sld>
 </file>
 
-<file path=ppt/slides/slide4.xml><?xml version="1.0" encoding="utf-8"?>
-<p:sld xmlns:a="http://schemas.openxmlformats.org/drawingml/2006/main" xmlns:r="http://schemas.openxmlformats.org/officeDocument/2006/relationships" xmlns:p="http://schemas.openxmlformats.org/presentationml/2006/main">
-  <p:cSld>
-    <p:spTree>
-      <p:nvGrpSpPr>
-        <p:cNvPr id="1" name=""/>
-        <p:cNvGrpSpPr/>
-        <p:nvPr/>
-      </p:nvGrpSpPr>
-      <p:grpSpPr/>
-      <p:sp>
-        <p:nvSpPr>
-          <p:cNvPr id="2" name="标题 1"/>
-          <p:cNvSpPr>
-            <a:spLocks noGrp="1"/>
-          </p:cNvSpPr>
-          <p:nvPr>
-            <p:ph type="title"/>
-          </p:nvPr>
-        </p:nvSpPr>
-        <p:spPr/>
-        <p:txBody>
-          <a:bodyPr>
-            <a:normAutofit fontScale="90000"/>
-          </a:bodyPr>
-          <a:p>
-            <a:r>
-              <a:rPr lang="en-US" altLang="zh-CN"/>
-              <a:t>Bake One Material From Multiple Materials</a:t>
-            </a:r>
-            <a:endParaRPr lang="en-US" altLang="zh-CN"/>
-          </a:p>
-        </p:txBody>
-      </p:sp>
-      <p:sp>
-        <p:nvSpPr>
-          <p:cNvPr id="3" name="内容占位符 2"/>
-          <p:cNvSpPr>
-            <a:spLocks noGrp="1"/>
-          </p:cNvSpPr>
-          <p:nvPr>
-            <p:ph idx="1"/>
-          </p:nvPr>
-        </p:nvSpPr>
-        <p:spPr/>
-        <p:txBody>
-          <a:bodyPr>
-            <a:normAutofit fontScale="60000"/>
-          </a:bodyPr>
-          <a:p>
-            <a:r>
-              <a:rPr lang="en-US" altLang="zh-CN"/>
-              <a:t>Create new UV map as “baked”</a:t>
-            </a:r>
-            <a:endParaRPr lang="en-US" altLang="zh-CN"/>
-          </a:p>
-          <a:p>
-            <a:r>
-              <a:rPr lang="en-US" altLang="zh-CN"/>
-              <a:t>Open “UV/Image Editor”</a:t>
-            </a:r>
-            <a:endParaRPr lang="en-US" altLang="zh-CN"/>
-          </a:p>
-          <a:p>
-            <a:pPr lvl="1"/>
-            <a:r>
-              <a:rPr lang="en-US" altLang="zh-CN"/>
-              <a:t>Create new image as “baked”</a:t>
-            </a:r>
-            <a:endParaRPr lang="en-US" altLang="zh-CN"/>
-          </a:p>
-          <a:p>
-            <a:pPr lvl="0"/>
-            <a:r>
-              <a:rPr lang="en-US" altLang="zh-CN"/>
-              <a:t>Switch to edit mode and select all</a:t>
-            </a:r>
-            <a:endParaRPr lang="en-US" altLang="zh-CN"/>
-          </a:p>
-          <a:p>
-            <a:pPr lvl="0"/>
-            <a:r>
-              <a:rPr lang="en-US" altLang="zh-CN"/>
-              <a:t>Press 'u' to show “UV mapping” menu</a:t>
-            </a:r>
-            <a:endParaRPr lang="en-US" altLang="zh-CN"/>
-          </a:p>
-          <a:p>
-            <a:pPr lvl="0"/>
-            <a:r>
-              <a:rPr lang="en-US" altLang="zh-CN"/>
-              <a:t>Select “Smart UV Project”</a:t>
-            </a:r>
-            <a:endParaRPr lang="en-US" altLang="zh-CN"/>
-          </a:p>
-          <a:p>
-            <a:pPr lvl="0"/>
-            <a:r>
-              <a:rPr lang="en-US" altLang="zh-CN"/>
-              <a:t>In “Data Object” panel, select “baked” UV map.</a:t>
-            </a:r>
-            <a:endParaRPr lang="en-US" altLang="zh-CN"/>
-          </a:p>
-          <a:p>
-            <a:pPr lvl="0"/>
-            <a:r>
-              <a:rPr lang="en-US" altLang="zh-CN"/>
-              <a:t>In Render panel, “Bake” pane</a:t>
-            </a:r>
-            <a:endParaRPr lang="en-US" altLang="zh-CN"/>
-          </a:p>
-          <a:p>
-            <a:pPr lvl="1"/>
-            <a:r>
-              <a:rPr lang="en-US" altLang="zh-CN"/>
-              <a:t>Set “Bake Mode” to “Textures”</a:t>
-            </a:r>
-            <a:endParaRPr lang="en-US" altLang="zh-CN"/>
-          </a:p>
-          <a:p>
-            <a:pPr lvl="1"/>
-            <a:r>
-              <a:rPr lang="en-US" altLang="zh-CN"/>
-              <a:t>Press “Bake”</a:t>
-            </a:r>
-            <a:endParaRPr lang="en-US" altLang="zh-CN"/>
-          </a:p>
-          <a:p>
-            <a:pPr lvl="0"/>
-            <a:r>
-              <a:rPr lang="en-US" altLang="zh-CN"/>
-              <a:t>After baking, in “UV/Image Editor”</a:t>
-            </a:r>
-            <a:endParaRPr lang="en-US" altLang="zh-CN"/>
-          </a:p>
-          <a:p>
-            <a:pPr lvl="1"/>
-            <a:r>
-              <a:rPr lang="en-US" altLang="zh-CN"/>
-              <a:t>Save image as “baked-4096.png”</a:t>
-            </a:r>
-            <a:endParaRPr lang="en-US" altLang="zh-CN"/>
-          </a:p>
-          <a:p>
-            <a:pPr lvl="0"/>
-            <a:r>
-              <a:rPr lang="en-US" altLang="zh-CN"/>
-              <a:t>In “Material” panel, add new material as “baked” and select it</a:t>
-            </a:r>
-            <a:endParaRPr lang="en-US" altLang="zh-CN"/>
-          </a:p>
-          <a:p>
-            <a:pPr lvl="0"/>
-            <a:r>
-              <a:rPr lang="en-US" altLang="zh-CN"/>
-              <a:t>In “Texture” panel, add new texture, select “baked-4096.png”</a:t>
-            </a:r>
-            <a:endParaRPr lang="en-US" altLang="zh-CN"/>
-          </a:p>
-          <a:p>
-            <a:pPr lvl="0"/>
-            <a:r>
-              <a:rPr lang="en-US" altLang="zh-CN"/>
-              <a:t>Assign “baked” material to object</a:t>
-            </a:r>
-            <a:endParaRPr lang="en-US" altLang="zh-CN"/>
-          </a:p>
-        </p:txBody>
-      </p:sp>
-    </p:spTree>
-  </p:cSld>
-  <p:clrMapOvr>
-    <a:masterClrMapping/>
-  </p:clrMapOvr>
-</p:sld>
-</file>
-
 <file path=ppt/slides/slide5.xml><?xml version="1.0" encoding="utf-8"?>
 <p:sld xmlns:a="http://schemas.openxmlformats.org/drawingml/2006/main" xmlns:r="http://schemas.openxmlformats.org/officeDocument/2006/relationships" xmlns:p="http://schemas.openxmlformats.org/presentationml/2006/main">
   <p:cSld>
@@ -4716,11 +4737,13 @@
         </p:nvSpPr>
         <p:spPr/>
         <p:txBody>
-          <a:bodyPr/>
+          <a:bodyPr>
+            <a:normAutofit fontScale="90000"/>
+          </a:bodyPr>
           <a:p>
             <a:r>
               <a:rPr lang="en-US" altLang="zh-CN"/>
-              <a:t>Combine Multiple Objects into One</a:t>
+              <a:t>Bake One Material From Multiple Materials</a:t>
             </a:r>
             <a:endParaRPr lang="en-US" altLang="zh-CN"/>
           </a:p>
@@ -4738,25 +4761,124 @@
         </p:nvSpPr>
         <p:spPr/>
         <p:txBody>
-          <a:bodyPr/>
+          <a:bodyPr>
+            <a:normAutofit fontScale="60000"/>
+          </a:bodyPr>
           <a:p>
             <a:r>
               <a:rPr lang="en-US" altLang="zh-CN"/>
-              <a:t>Press 'B' for box selection</a:t>
+              <a:t>Create new UV map as “baked”</a:t>
             </a:r>
             <a:endParaRPr lang="en-US" altLang="zh-CN"/>
           </a:p>
           <a:p>
             <a:r>
               <a:rPr lang="en-US" altLang="zh-CN"/>
-              <a:t>Select all objects to be combined</a:t>
+              <a:t>Open “UV/Image Editor”</a:t>
             </a:r>
             <a:endParaRPr lang="en-US" altLang="zh-CN"/>
           </a:p>
           <a:p>
+            <a:pPr lvl="1"/>
             <a:r>
               <a:rPr lang="en-US" altLang="zh-CN"/>
-              <a:t>Press Ctrl+j to combine selected objects</a:t>
+              <a:t>Create new image as “baked”</a:t>
+            </a:r>
+            <a:endParaRPr lang="en-US" altLang="zh-CN"/>
+          </a:p>
+          <a:p>
+            <a:pPr lvl="0"/>
+            <a:r>
+              <a:rPr lang="en-US" altLang="zh-CN"/>
+              <a:t>Switch to edit mode and select all</a:t>
+            </a:r>
+            <a:endParaRPr lang="en-US" altLang="zh-CN"/>
+          </a:p>
+          <a:p>
+            <a:pPr lvl="0"/>
+            <a:r>
+              <a:rPr lang="en-US" altLang="zh-CN"/>
+              <a:t>Press 'u' to show “UV mapping” menu</a:t>
+            </a:r>
+            <a:endParaRPr lang="en-US" altLang="zh-CN"/>
+          </a:p>
+          <a:p>
+            <a:pPr lvl="0"/>
+            <a:r>
+              <a:rPr lang="en-US" altLang="zh-CN"/>
+              <a:t>Select “Smart UV Project”</a:t>
+            </a:r>
+            <a:endParaRPr lang="en-US" altLang="zh-CN"/>
+          </a:p>
+          <a:p>
+            <a:pPr lvl="0"/>
+            <a:r>
+              <a:rPr lang="en-US" altLang="zh-CN"/>
+              <a:t>In “Data Object” panel, select “baked” UV map.</a:t>
+            </a:r>
+            <a:endParaRPr lang="en-US" altLang="zh-CN"/>
+          </a:p>
+          <a:p>
+            <a:pPr lvl="0"/>
+            <a:r>
+              <a:rPr lang="en-US" altLang="zh-CN"/>
+              <a:t>In Render panel, “Bake” pane</a:t>
+            </a:r>
+            <a:endParaRPr lang="en-US" altLang="zh-CN"/>
+          </a:p>
+          <a:p>
+            <a:pPr lvl="1"/>
+            <a:r>
+              <a:rPr lang="en-US" altLang="zh-CN"/>
+              <a:t>Set “Bake Mode” to “Textures”</a:t>
+            </a:r>
+            <a:endParaRPr lang="en-US" altLang="zh-CN"/>
+          </a:p>
+          <a:p>
+            <a:pPr lvl="1"/>
+            <a:r>
+              <a:rPr lang="en-US" altLang="zh-CN"/>
+              <a:t>Press “Bake”</a:t>
+            </a:r>
+            <a:endParaRPr lang="en-US" altLang="zh-CN"/>
+          </a:p>
+          <a:p>
+            <a:pPr lvl="0"/>
+            <a:r>
+              <a:rPr lang="en-US" altLang="zh-CN"/>
+              <a:t>After baking, in “UV/Image Editor”</a:t>
+            </a:r>
+            <a:endParaRPr lang="en-US" altLang="zh-CN"/>
+          </a:p>
+          <a:p>
+            <a:pPr lvl="1"/>
+            <a:r>
+              <a:rPr lang="en-US" altLang="zh-CN"/>
+              <a:t>Save image as “baked-4096.png”</a:t>
+            </a:r>
+            <a:endParaRPr lang="en-US" altLang="zh-CN"/>
+          </a:p>
+          <a:p>
+            <a:pPr lvl="0"/>
+            <a:r>
+              <a:rPr lang="en-US" altLang="zh-CN"/>
+              <a:t>In “Material” panel, add new material as “baked” and select it</a:t>
+            </a:r>
+            <a:endParaRPr lang="en-US" altLang="zh-CN"/>
+          </a:p>
+          <a:p>
+            <a:pPr lvl="0"/>
+            <a:r>
+              <a:rPr lang="en-US" altLang="zh-CN"/>
+              <a:t>In “Texture” panel, add new texture, select “baked-4096.png”</a:t>
+            </a:r>
+            <a:endParaRPr lang="en-US" altLang="zh-CN"/>
+          </a:p>
+          <a:p>
+            <a:pPr lvl="0"/>
+            <a:r>
+              <a:rPr lang="en-US" altLang="zh-CN"/>
+              <a:t>Assign “baked” material to object</a:t>
             </a:r>
             <a:endParaRPr lang="en-US" altLang="zh-CN"/>
           </a:p>
@@ -4782,7 +4904,7 @@
       <p:grpSpPr/>
       <p:sp>
         <p:nvSpPr>
-          <p:cNvPr id="2" name="Title 1"/>
+          <p:cNvPr id="2" name="标题 1"/>
           <p:cNvSpPr>
             <a:spLocks noGrp="1"/>
           </p:cNvSpPr>
@@ -4795,16 +4917,16 @@
           <a:bodyPr/>
           <a:p>
             <a:r>
-              <a:rPr lang="x-none" altLang="en-US"/>
-              <a:t>Texture Paint Mode</a:t>
-            </a:r>
-            <a:endParaRPr lang="x-none" altLang="en-US"/>
-          </a:p>
-        </p:txBody>
-      </p:sp>
-      <p:sp>
-        <p:nvSpPr>
-          <p:cNvPr id="3" name="Content Placeholder 2"/>
+              <a:rPr lang="en-US" altLang="zh-CN"/>
+              <a:t>Combine Multiple Objects into One</a:t>
+            </a:r>
+            <a:endParaRPr lang="en-US" altLang="zh-CN"/>
+          </a:p>
+        </p:txBody>
+      </p:sp>
+      <p:sp>
+        <p:nvSpPr>
+          <p:cNvPr id="3" name="内容占位符 2"/>
           <p:cNvSpPr>
             <a:spLocks noGrp="1"/>
           </p:cNvSpPr>
@@ -4816,7 +4938,25 @@
         <p:txBody>
           <a:bodyPr/>
           <a:p>
-            <a:endParaRPr lang="en-US"/>
+            <a:r>
+              <a:rPr lang="en-US" altLang="zh-CN"/>
+              <a:t>Press 'B' for box selection</a:t>
+            </a:r>
+            <a:endParaRPr lang="en-US" altLang="zh-CN"/>
+          </a:p>
+          <a:p>
+            <a:r>
+              <a:rPr lang="en-US" altLang="zh-CN"/>
+              <a:t>Select all objects to be combined</a:t>
+            </a:r>
+            <a:endParaRPr lang="en-US" altLang="zh-CN"/>
+          </a:p>
+          <a:p>
+            <a:r>
+              <a:rPr lang="en-US" altLang="zh-CN"/>
+              <a:t>Press Ctrl+j to combine selected objects</a:t>
+            </a:r>
+            <a:endParaRPr lang="en-US" altLang="zh-CN"/>
           </a:p>
         </p:txBody>
       </p:sp>
@@ -4854,6 +4994,64 @@
           <a:p>
             <a:r>
               <a:rPr lang="x-none" altLang="en-US"/>
+              <a:t>Texture Paint Mode</a:t>
+            </a:r>
+            <a:endParaRPr lang="x-none" altLang="en-US"/>
+          </a:p>
+        </p:txBody>
+      </p:sp>
+      <p:sp>
+        <p:nvSpPr>
+          <p:cNvPr id="3" name="Content Placeholder 2"/>
+          <p:cNvSpPr>
+            <a:spLocks noGrp="1"/>
+          </p:cNvSpPr>
+          <p:nvPr>
+            <p:ph idx="1"/>
+          </p:nvPr>
+        </p:nvSpPr>
+        <p:spPr/>
+        <p:txBody>
+          <a:bodyPr/>
+          <a:p>
+            <a:endParaRPr lang="en-US"/>
+          </a:p>
+        </p:txBody>
+      </p:sp>
+    </p:spTree>
+  </p:cSld>
+  <p:clrMapOvr>
+    <a:masterClrMapping/>
+  </p:clrMapOvr>
+</p:sld>
+</file>
+
+<file path=ppt/slides/slide8.xml><?xml version="1.0" encoding="utf-8"?>
+<p:sld xmlns:a="http://schemas.openxmlformats.org/drawingml/2006/main" xmlns:r="http://schemas.openxmlformats.org/officeDocument/2006/relationships" xmlns:p="http://schemas.openxmlformats.org/presentationml/2006/main">
+  <p:cSld>
+    <p:spTree>
+      <p:nvGrpSpPr>
+        <p:cNvPr id="1" name=""/>
+        <p:cNvGrpSpPr/>
+        <p:nvPr/>
+      </p:nvGrpSpPr>
+      <p:grpSpPr/>
+      <p:sp>
+        <p:nvSpPr>
+          <p:cNvPr id="2" name="Title 1"/>
+          <p:cNvSpPr>
+            <a:spLocks noGrp="1"/>
+          </p:cNvSpPr>
+          <p:nvPr>
+            <p:ph type="title"/>
+          </p:nvPr>
+        </p:nvSpPr>
+        <p:spPr/>
+        <p:txBody>
+          <a:bodyPr/>
+          <a:p>
+            <a:r>
+              <a:rPr lang="x-none" altLang="en-US"/>
               <a:t>UV Unwrap</a:t>
             </a:r>
             <a:endParaRPr lang="x-none" altLang="en-US"/>
@@ -4988,6 +5186,153 @@
           </a:p>
         </p:txBody>
       </p:sp>
+    </p:spTree>
+  </p:cSld>
+  <p:clrMapOvr>
+    <a:masterClrMapping/>
+  </p:clrMapOvr>
+</p:sld>
+</file>
+
+<file path=ppt/slides/slide9.xml><?xml version="1.0" encoding="utf-8"?>
+<p:sld xmlns:a="http://schemas.openxmlformats.org/drawingml/2006/main" xmlns:r="http://schemas.openxmlformats.org/officeDocument/2006/relationships" xmlns:p="http://schemas.openxmlformats.org/presentationml/2006/main">
+  <p:cSld>
+    <p:spTree>
+      <p:nvGrpSpPr>
+        <p:cNvPr id="1" name=""/>
+        <p:cNvGrpSpPr/>
+        <p:nvPr/>
+      </p:nvGrpSpPr>
+      <p:grpSpPr/>
+      <p:sp>
+        <p:nvSpPr>
+          <p:cNvPr id="2" name="标题 1"/>
+          <p:cNvSpPr>
+            <a:spLocks noGrp="1"/>
+          </p:cNvSpPr>
+          <p:nvPr>
+            <p:ph type="title"/>
+          </p:nvPr>
+        </p:nvSpPr>
+        <p:spPr/>
+        <p:txBody>
+          <a:bodyPr/>
+          <a:p>
+            <a:r>
+              <a:rPr lang="en-US" altLang="zh-CN"/>
+              <a:t>Decimate Model</a:t>
+            </a:r>
+            <a:endParaRPr lang="en-US" altLang="zh-CN"/>
+          </a:p>
+        </p:txBody>
+      </p:sp>
+      <p:sp>
+        <p:nvSpPr>
+          <p:cNvPr id="3" name="内容占位符 2"/>
+          <p:cNvSpPr>
+            <a:spLocks noGrp="1"/>
+          </p:cNvSpPr>
+          <p:nvPr>
+            <p:ph idx="1"/>
+          </p:nvPr>
+        </p:nvSpPr>
+        <p:spPr>
+          <a:xfrm>
+            <a:off x="838200" y="1211580"/>
+            <a:ext cx="5118100" cy="4549140"/>
+          </a:xfrm>
+        </p:spPr>
+        <p:txBody>
+          <a:bodyPr/>
+          <a:p>
+            <a:r>
+              <a:rPr lang="en-US" altLang="zh-CN"/>
+              <a:t>Steps</a:t>
+            </a:r>
+            <a:endParaRPr lang="en-US" altLang="zh-CN"/>
+          </a:p>
+          <a:p>
+            <a:pPr lvl="1"/>
+            <a:r>
+              <a:rPr lang="en-US" altLang="zh-CN"/>
+              <a:t>Import model</a:t>
+            </a:r>
+            <a:endParaRPr lang="en-US" altLang="zh-CN"/>
+          </a:p>
+          <a:p>
+            <a:pPr lvl="1"/>
+            <a:r>
+              <a:rPr lang="en-US" altLang="zh-CN"/>
+              <a:t>Select model</a:t>
+            </a:r>
+            <a:endParaRPr lang="en-US" altLang="zh-CN"/>
+          </a:p>
+          <a:p>
+            <a:pPr lvl="1"/>
+            <a:r>
+              <a:rPr lang="en-US" altLang="zh-CN"/>
+              <a:t>Switch to “modifier” tab, select “Decimate” modifier</a:t>
+            </a:r>
+            <a:endParaRPr lang="en-US" altLang="zh-CN"/>
+          </a:p>
+          <a:p>
+            <a:pPr lvl="1"/>
+            <a:r>
+              <a:rPr lang="en-US" altLang="zh-CN"/>
+              <a:t>Change “Ratio” to decimate model</a:t>
+            </a:r>
+            <a:endParaRPr lang="en-US" altLang="zh-CN"/>
+          </a:p>
+          <a:p>
+            <a:pPr lvl="2"/>
+            <a:r>
+              <a:rPr lang="en-US" altLang="zh-CN"/>
+              <a:t>100K faces -&gt; 10K faces</a:t>
+            </a:r>
+            <a:endParaRPr lang="en-US" altLang="zh-CN"/>
+          </a:p>
+          <a:p>
+            <a:pPr lvl="1"/>
+            <a:r>
+              <a:rPr lang="en-US" altLang="zh-CN" sz="2000"/>
+              <a:t>Export model</a:t>
+            </a:r>
+            <a:endParaRPr lang="en-US" altLang="zh-CN"/>
+          </a:p>
+          <a:p>
+            <a:pPr lvl="1"/>
+            <a:r>
+              <a:rPr lang="en-US" altLang="zh-CN"/>
+              <a:t>Scale down texture accordingly</a:t>
+            </a:r>
+            <a:endParaRPr lang="en-US" altLang="zh-CN"/>
+          </a:p>
+        </p:txBody>
+      </p:sp>
+      <p:pic>
+        <p:nvPicPr>
+          <p:cNvPr id="4" name="图片 3"/>
+          <p:cNvPicPr>
+            <a:picLocks noChangeAspect="1"/>
+          </p:cNvPicPr>
+          <p:nvPr/>
+        </p:nvPicPr>
+        <p:blipFill>
+          <a:blip r:embed="rId1"/>
+          <a:stretch>
+            <a:fillRect/>
+          </a:stretch>
+        </p:blipFill>
+        <p:spPr>
+          <a:xfrm>
+            <a:off x="6052185" y="1211580"/>
+            <a:ext cx="5772150" cy="3638550"/>
+          </a:xfrm>
+          <a:prstGeom prst="rect">
+            <a:avLst/>
+          </a:prstGeom>
+        </p:spPr>
+      </p:pic>
     </p:spTree>
   </p:cSld>
   <p:clrMapOvr>
